--- a/Курсовая Работа/Презентация Курсовой Работы.pptx
+++ b/Курсовая Работа/Презентация Курсовой Работы.pptx
@@ -212,7 +212,7 @@
           <a:p>
             <a:fld id="{09B7CBF2-44B9-4FD7-ADE0-AEF665969899}" type="datetimeFigureOut">
               <a:rPr lang="ru-RU" smtClean="0"/>
-              <a:t>18.06.2024</a:t>
+              <a:t>19.06.2024</a:t>
             </a:fld>
             <a:endParaRPr lang="ru-RU"/>
           </a:p>
@@ -1085,7 +1085,7 @@
           <a:p>
             <a:fld id="{AE03501E-7AD0-4F96-85BE-1D21B648906E}" type="datetime1">
               <a:rPr lang="ru-RU" smtClean="0"/>
-              <a:t>18.06.2024</a:t>
+              <a:t>19.06.2024</a:t>
             </a:fld>
             <a:endParaRPr lang="ru-RU"/>
           </a:p>
@@ -1255,7 +1255,7 @@
           <a:p>
             <a:fld id="{7294F1CA-20AE-485F-BDA0-1EBD2A4F84FD}" type="datetime1">
               <a:rPr lang="ru-RU" smtClean="0"/>
-              <a:t>18.06.2024</a:t>
+              <a:t>19.06.2024</a:t>
             </a:fld>
             <a:endParaRPr lang="ru-RU"/>
           </a:p>
@@ -1435,7 +1435,7 @@
           <a:p>
             <a:fld id="{3C28638B-2113-4D4D-94EC-132080F384EF}" type="datetime1">
               <a:rPr lang="ru-RU" smtClean="0"/>
-              <a:t>18.06.2024</a:t>
+              <a:t>19.06.2024</a:t>
             </a:fld>
             <a:endParaRPr lang="ru-RU"/>
           </a:p>
@@ -1605,7 +1605,7 @@
           <a:p>
             <a:fld id="{1898DFEA-AAF8-4ED4-95D2-44BB374A4408}" type="datetime1">
               <a:rPr lang="ru-RU" smtClean="0"/>
-              <a:t>18.06.2024</a:t>
+              <a:t>19.06.2024</a:t>
             </a:fld>
             <a:endParaRPr lang="ru-RU"/>
           </a:p>
@@ -1859,7 +1859,7 @@
           <a:p>
             <a:fld id="{CEB624F2-7497-407C-9C07-A2FBDB30C6D4}" type="datetime1">
               <a:rPr lang="ru-RU" smtClean="0"/>
-              <a:t>18.06.2024</a:t>
+              <a:t>19.06.2024</a:t>
             </a:fld>
             <a:endParaRPr lang="ru-RU"/>
           </a:p>
@@ -2091,7 +2091,7 @@
           <a:p>
             <a:fld id="{860E0294-0D95-46D5-B499-48061E052D1D}" type="datetime1">
               <a:rPr lang="ru-RU" smtClean="0"/>
-              <a:t>18.06.2024</a:t>
+              <a:t>19.06.2024</a:t>
             </a:fld>
             <a:endParaRPr lang="ru-RU"/>
           </a:p>
@@ -2458,7 +2458,7 @@
           <a:p>
             <a:fld id="{F814560A-FC44-4048-8A8D-126102C2038B}" type="datetime1">
               <a:rPr lang="ru-RU" smtClean="0"/>
-              <a:t>18.06.2024</a:t>
+              <a:t>19.06.2024</a:t>
             </a:fld>
             <a:endParaRPr lang="ru-RU"/>
           </a:p>
@@ -2576,7 +2576,7 @@
           <a:p>
             <a:fld id="{45A94929-E670-48E7-B714-F44A21F68DD0}" type="datetime1">
               <a:rPr lang="ru-RU" smtClean="0"/>
-              <a:t>18.06.2024</a:t>
+              <a:t>19.06.2024</a:t>
             </a:fld>
             <a:endParaRPr lang="ru-RU"/>
           </a:p>
@@ -2671,7 +2671,7 @@
           <a:p>
             <a:fld id="{D5D93614-BE6C-4BC2-BE89-15A7F6E9F1AB}" type="datetime1">
               <a:rPr lang="ru-RU" smtClean="0"/>
-              <a:t>18.06.2024</a:t>
+              <a:t>19.06.2024</a:t>
             </a:fld>
             <a:endParaRPr lang="ru-RU"/>
           </a:p>
@@ -2948,7 +2948,7 @@
           <a:p>
             <a:fld id="{90AD27E3-36FF-4BE8-9FEE-7E3F70ABE8F1}" type="datetime1">
               <a:rPr lang="ru-RU" smtClean="0"/>
-              <a:t>18.06.2024</a:t>
+              <a:t>19.06.2024</a:t>
             </a:fld>
             <a:endParaRPr lang="ru-RU"/>
           </a:p>
@@ -3205,7 +3205,7 @@
           <a:p>
             <a:fld id="{2D8BB90C-F1F9-4027-8966-6DE3C21D67AD}" type="datetime1">
               <a:rPr lang="ru-RU" smtClean="0"/>
-              <a:t>18.06.2024</a:t>
+              <a:t>19.06.2024</a:t>
             </a:fld>
             <a:endParaRPr lang="ru-RU"/>
           </a:p>
@@ -3418,7 +3418,7 @@
           <a:p>
             <a:fld id="{80606F92-12CD-4FFC-835A-EE3498DC27DB}" type="datetime1">
               <a:rPr lang="ru-RU" smtClean="0"/>
-              <a:t>18.06.2024</a:t>
+              <a:t>19.06.2024</a:t>
             </a:fld>
             <a:endParaRPr lang="ru-RU"/>
           </a:p>
@@ -6546,41 +6546,6 @@
           </a:p>
         </p:txBody>
       </p:sp>
-      <p:pic>
-        <p:nvPicPr>
-          <p:cNvPr id="6" name="Рисунок 5">
-            <a:extLst>
-              <a:ext uri="{FF2B5EF4-FFF2-40B4-BE49-F238E27FC236}">
-                <a16:creationId xmlns:a16="http://schemas.microsoft.com/office/drawing/2014/main" id="{46C9B4F2-6AFF-46D6-88D6-19D5E49A8E0A}"/>
-              </a:ext>
-            </a:extLst>
-          </p:cNvPr>
-          <p:cNvPicPr>
-            <a:picLocks noChangeAspect="1"/>
-          </p:cNvPicPr>
-          <p:nvPr/>
-        </p:nvPicPr>
-        <p:blipFill>
-          <a:blip r:embed="rId2"/>
-          <a:stretch>
-            <a:fillRect/>
-          </a:stretch>
-        </p:blipFill>
-        <p:spPr>
-          <a:xfrm>
-            <a:off x="1639326" y="2451706"/>
-            <a:ext cx="8913348" cy="1954588"/>
-          </a:xfrm>
-          <a:prstGeom prst="rect">
-            <a:avLst/>
-          </a:prstGeom>
-          <a:ln w="15875">
-            <a:solidFill>
-              <a:schemeClr val="tx1"/>
-            </a:solidFill>
-          </a:ln>
-        </p:spPr>
-      </p:pic>
       <p:sp>
         <p:nvSpPr>
           <p:cNvPr id="3" name="Номер слайда 2">

--- a/Курсовая Работа/Презентация Курсовой Работы.pptx
+++ b/Курсовая Работа/Презентация Курсовой Работы.pptx
@@ -5,7 +5,7 @@
     <p:sldMasterId id="2147483672" r:id="rId1"/>
   </p:sldMasterIdLst>
   <p:notesMasterIdLst>
-    <p:notesMasterId r:id="rId18"/>
+    <p:notesMasterId r:id="rId19"/>
   </p:notesMasterIdLst>
   <p:sldIdLst>
     <p:sldId id="256" r:id="rId2"/>
@@ -17,13 +17,14 @@
     <p:sldId id="262" r:id="rId8"/>
     <p:sldId id="263" r:id="rId9"/>
     <p:sldId id="272" r:id="rId10"/>
-    <p:sldId id="264" r:id="rId11"/>
-    <p:sldId id="265" r:id="rId12"/>
-    <p:sldId id="266" r:id="rId13"/>
-    <p:sldId id="267" r:id="rId14"/>
-    <p:sldId id="268" r:id="rId15"/>
-    <p:sldId id="269" r:id="rId16"/>
-    <p:sldId id="270" r:id="rId17"/>
+    <p:sldId id="273" r:id="rId11"/>
+    <p:sldId id="264" r:id="rId12"/>
+    <p:sldId id="265" r:id="rId13"/>
+    <p:sldId id="266" r:id="rId14"/>
+    <p:sldId id="267" r:id="rId15"/>
+    <p:sldId id="268" r:id="rId16"/>
+    <p:sldId id="269" r:id="rId17"/>
+    <p:sldId id="270" r:id="rId18"/>
   </p:sldIdLst>
   <p:sldSz cx="12192000" cy="6858000"/>
   <p:notesSz cx="6858000" cy="9144000"/>
@@ -212,7 +213,7 @@
           <a:p>
             <a:fld id="{09B7CBF2-44B9-4FD7-ADE0-AEF665969899}" type="datetimeFigureOut">
               <a:rPr lang="ru-RU" smtClean="0"/>
-              <a:t>19.06.2024</a:t>
+              <a:t>20.06.2024</a:t>
             </a:fld>
             <a:endParaRPr lang="ru-RU"/>
           </a:p>
@@ -935,7 +936,7 @@
           <a:p>
             <a:fld id="{70C95F39-9986-42CA-BA2A-89BEF2EFFE33}" type="slidenum">
               <a:rPr lang="ru-RU" smtClean="0"/>
-              <a:t>15</a:t>
+              <a:t>16</a:t>
             </a:fld>
             <a:endParaRPr lang="ru-RU"/>
           </a:p>
@@ -1083,9 +1084,9 @@
           <a:bodyPr/>
           <a:lstStyle/>
           <a:p>
-            <a:fld id="{AE03501E-7AD0-4F96-85BE-1D21B648906E}" type="datetime1">
+            <a:fld id="{F5CF9F3A-188F-4C16-A2DE-2587DE574B1E}" type="datetime1">
               <a:rPr lang="ru-RU" smtClean="0"/>
-              <a:t>19.06.2024</a:t>
+              <a:t>20.06.2024</a:t>
             </a:fld>
             <a:endParaRPr lang="ru-RU"/>
           </a:p>
@@ -1253,9 +1254,9 @@
           <a:bodyPr/>
           <a:lstStyle/>
           <a:p>
-            <a:fld id="{7294F1CA-20AE-485F-BDA0-1EBD2A4F84FD}" type="datetime1">
+            <a:fld id="{3A11F0EA-DC1B-403A-BF71-142FC9FB47EA}" type="datetime1">
               <a:rPr lang="ru-RU" smtClean="0"/>
-              <a:t>19.06.2024</a:t>
+              <a:t>20.06.2024</a:t>
             </a:fld>
             <a:endParaRPr lang="ru-RU"/>
           </a:p>
@@ -1433,9 +1434,9 @@
           <a:bodyPr/>
           <a:lstStyle/>
           <a:p>
-            <a:fld id="{3C28638B-2113-4D4D-94EC-132080F384EF}" type="datetime1">
+            <a:fld id="{CCC85F8A-18D6-4BA8-A576-50974D5C4A22}" type="datetime1">
               <a:rPr lang="ru-RU" smtClean="0"/>
-              <a:t>19.06.2024</a:t>
+              <a:t>20.06.2024</a:t>
             </a:fld>
             <a:endParaRPr lang="ru-RU"/>
           </a:p>
@@ -1603,9 +1604,9 @@
           <a:bodyPr/>
           <a:lstStyle/>
           <a:p>
-            <a:fld id="{1898DFEA-AAF8-4ED4-95D2-44BB374A4408}" type="datetime1">
+            <a:fld id="{545A4267-40AA-4092-A36F-C26D6811F45A}" type="datetime1">
               <a:rPr lang="ru-RU" smtClean="0"/>
-              <a:t>19.06.2024</a:t>
+              <a:t>20.06.2024</a:t>
             </a:fld>
             <a:endParaRPr lang="ru-RU"/>
           </a:p>
@@ -1656,7 +1657,7 @@
             </a:fld>
             <a:r>
               <a:rPr lang="ru-RU" dirty="0"/>
-              <a:t>/20</a:t>
+              <a:t>/17</a:t>
             </a:r>
           </a:p>
         </p:txBody>
@@ -1857,9 +1858,9 @@
           <a:bodyPr/>
           <a:lstStyle/>
           <a:p>
-            <a:fld id="{CEB624F2-7497-407C-9C07-A2FBDB30C6D4}" type="datetime1">
+            <a:fld id="{E7A0052E-2485-4FD0-B116-14C5D93EDDE8}" type="datetime1">
               <a:rPr lang="ru-RU" smtClean="0"/>
-              <a:t>19.06.2024</a:t>
+              <a:t>20.06.2024</a:t>
             </a:fld>
             <a:endParaRPr lang="ru-RU"/>
           </a:p>
@@ -2089,9 +2090,9 @@
           <a:bodyPr/>
           <a:lstStyle/>
           <a:p>
-            <a:fld id="{860E0294-0D95-46D5-B499-48061E052D1D}" type="datetime1">
+            <a:fld id="{B8CB62B4-F45C-4AC4-ABBE-0574B703B479}" type="datetime1">
               <a:rPr lang="ru-RU" smtClean="0"/>
-              <a:t>19.06.2024</a:t>
+              <a:t>20.06.2024</a:t>
             </a:fld>
             <a:endParaRPr lang="ru-RU"/>
           </a:p>
@@ -2456,9 +2457,9 @@
           <a:bodyPr/>
           <a:lstStyle/>
           <a:p>
-            <a:fld id="{F814560A-FC44-4048-8A8D-126102C2038B}" type="datetime1">
+            <a:fld id="{B4B7E3C1-EF5D-4588-B524-A705B5B0D133}" type="datetime1">
               <a:rPr lang="ru-RU" smtClean="0"/>
-              <a:t>19.06.2024</a:t>
+              <a:t>20.06.2024</a:t>
             </a:fld>
             <a:endParaRPr lang="ru-RU"/>
           </a:p>
@@ -2574,9 +2575,9 @@
           <a:bodyPr/>
           <a:lstStyle/>
           <a:p>
-            <a:fld id="{45A94929-E670-48E7-B714-F44A21F68DD0}" type="datetime1">
+            <a:fld id="{E7435BB4-24F7-4230-8D01-C405E5E94E64}" type="datetime1">
               <a:rPr lang="ru-RU" smtClean="0"/>
-              <a:t>19.06.2024</a:t>
+              <a:t>20.06.2024</a:t>
             </a:fld>
             <a:endParaRPr lang="ru-RU"/>
           </a:p>
@@ -2669,9 +2670,9 @@
           <a:bodyPr/>
           <a:lstStyle/>
           <a:p>
-            <a:fld id="{D5D93614-BE6C-4BC2-BE89-15A7F6E9F1AB}" type="datetime1">
+            <a:fld id="{65A904D9-2361-4337-8CBD-AF145C2276BB}" type="datetime1">
               <a:rPr lang="ru-RU" smtClean="0"/>
-              <a:t>19.06.2024</a:t>
+              <a:t>20.06.2024</a:t>
             </a:fld>
             <a:endParaRPr lang="ru-RU"/>
           </a:p>
@@ -2946,9 +2947,9 @@
           <a:bodyPr/>
           <a:lstStyle/>
           <a:p>
-            <a:fld id="{90AD27E3-36FF-4BE8-9FEE-7E3F70ABE8F1}" type="datetime1">
+            <a:fld id="{7245CB82-17B0-42A9-AB4B-7BA95240445A}" type="datetime1">
               <a:rPr lang="ru-RU" smtClean="0"/>
-              <a:t>19.06.2024</a:t>
+              <a:t>20.06.2024</a:t>
             </a:fld>
             <a:endParaRPr lang="ru-RU"/>
           </a:p>
@@ -3203,9 +3204,9 @@
           <a:bodyPr/>
           <a:lstStyle/>
           <a:p>
-            <a:fld id="{2D8BB90C-F1F9-4027-8966-6DE3C21D67AD}" type="datetime1">
+            <a:fld id="{1DD37A11-3641-4D89-9551-B66F594B6E05}" type="datetime1">
               <a:rPr lang="ru-RU" smtClean="0"/>
-              <a:t>19.06.2024</a:t>
+              <a:t>20.06.2024</a:t>
             </a:fld>
             <a:endParaRPr lang="ru-RU"/>
           </a:p>
@@ -3416,9 +3417,9 @@
             </a:lvl1pPr>
           </a:lstStyle>
           <a:p>
-            <a:fld id="{80606F92-12CD-4FFC-835A-EE3498DC27DB}" type="datetime1">
+            <a:fld id="{C7EACBE0-ED2A-454B-897D-9089BF3ED2F7}" type="datetime1">
               <a:rPr lang="ru-RU" smtClean="0"/>
-              <a:t>19.06.2024</a:t>
+              <a:t>20.06.2024</a:t>
             </a:fld>
             <a:endParaRPr lang="ru-RU"/>
           </a:p>
@@ -4146,31 +4147,50 @@
       </p:grpSpPr>
       <p:sp>
         <p:nvSpPr>
-          <p:cNvPr id="4" name="Заголовок 1">
+          <p:cNvPr id="5" name="Заголовок 1">
             <a:extLst>
               <a:ext uri="{FF2B5EF4-FFF2-40B4-BE49-F238E27FC236}">
-                <a16:creationId xmlns:a16="http://schemas.microsoft.com/office/drawing/2014/main" id="{0D7D0BE2-2D2C-4923-8220-23B01E71F7BA}"/>
+                <a16:creationId xmlns:a16="http://schemas.microsoft.com/office/drawing/2014/main" id="{08AFB1E6-1180-47CF-AADB-5C4D9D1C94F6}"/>
               </a:ext>
             </a:extLst>
           </p:cNvPr>
-          <p:cNvSpPr>
-            <a:spLocks noGrp="1"/>
-          </p:cNvSpPr>
-          <p:nvPr>
-            <p:ph type="title"/>
-          </p:nvPr>
+          <p:cNvSpPr txBox="1">
+            <a:spLocks/>
+          </p:cNvSpPr>
+          <p:nvPr/>
         </p:nvSpPr>
         <p:spPr>
           <a:xfrm>
-            <a:off x="1981200" y="217978"/>
+            <a:off x="2077039" y="-183138"/>
             <a:ext cx="8229600" cy="1143000"/>
           </a:xfrm>
+          <a:prstGeom prst="rect">
+            <a:avLst/>
+          </a:prstGeom>
         </p:spPr>
         <p:txBody>
-          <a:bodyPr>
+          <a:bodyPr vert="horz" lIns="91440" tIns="45720" rIns="91440" bIns="45720" rtlCol="0" anchor="ctr">
             <a:normAutofit/>
           </a:bodyPr>
-          <a:lstStyle/>
+          <a:lstStyle>
+            <a:lvl1pPr algn="l" defTabSz="914400" rtl="0" eaLnBrk="1" latinLnBrk="0" hangingPunct="1">
+              <a:lnSpc>
+                <a:spcPct val="90000"/>
+              </a:lnSpc>
+              <a:spcBef>
+                <a:spcPct val="0"/>
+              </a:spcBef>
+              <a:buNone/>
+              <a:defRPr sz="4400" kern="1200">
+                <a:solidFill>
+                  <a:schemeClr val="tx1"/>
+                </a:solidFill>
+                <a:latin typeface="+mj-lt"/>
+                <a:ea typeface="+mj-ea"/>
+                <a:cs typeface="+mj-cs"/>
+              </a:defRPr>
+            </a:lvl1pPr>
+          </a:lstStyle>
           <a:p>
             <a:pPr algn="ctr"/>
             <a:r>
@@ -4178,51 +4198,17 @@
                 <a:latin typeface="Times New Roman" pitchFamily="18" charset="0"/>
                 <a:cs typeface="Times New Roman" pitchFamily="18" charset="0"/>
               </a:rPr>
-              <a:t>Структура базы данных</a:t>
-            </a:r>
-          </a:p>
-        </p:txBody>
-      </p:sp>
-      <p:sp>
-        <p:nvSpPr>
-          <p:cNvPr id="5" name="Номер слайда 4">
+              <a:t>Поиск трансляции</a:t>
+            </a:r>
+          </a:p>
+        </p:txBody>
+      </p:sp>
+      <p:pic>
+        <p:nvPicPr>
+          <p:cNvPr id="10" name="Рисунок 9">
             <a:extLst>
               <a:ext uri="{FF2B5EF4-FFF2-40B4-BE49-F238E27FC236}">
-                <a16:creationId xmlns:a16="http://schemas.microsoft.com/office/drawing/2014/main" id="{04DF14EB-74DD-44C8-87A9-C88D0D8CC555}"/>
-              </a:ext>
-            </a:extLst>
-          </p:cNvPr>
-          <p:cNvSpPr>
-            <a:spLocks noGrp="1"/>
-          </p:cNvSpPr>
-          <p:nvPr>
-            <p:ph type="sldNum" sz="quarter" idx="12"/>
-          </p:nvPr>
-        </p:nvSpPr>
-        <p:spPr/>
-        <p:txBody>
-          <a:bodyPr/>
-          <a:lstStyle/>
-          <a:p>
-            <a:fld id="{1FB77788-E5A7-4255-94F6-739BDA5FC0D4}" type="slidenum">
-              <a:rPr lang="ru-RU" smtClean="0"/>
-              <a:pPr/>
-              <a:t>10</a:t>
-            </a:fld>
-            <a:r>
-              <a:rPr lang="ru-RU"/>
-              <a:t>/20</a:t>
-            </a:r>
-            <a:endParaRPr lang="ru-RU" dirty="0"/>
-          </a:p>
-        </p:txBody>
-      </p:sp>
-      <p:pic>
-        <p:nvPicPr>
-          <p:cNvPr id="6" name="Рисунок 5">
-            <a:extLst>
-              <a:ext uri="{FF2B5EF4-FFF2-40B4-BE49-F238E27FC236}">
-                <a16:creationId xmlns:a16="http://schemas.microsoft.com/office/drawing/2014/main" id="{EFB9861A-FA38-4E8A-8EB7-22F5541FA823}"/>
+                <a16:creationId xmlns:a16="http://schemas.microsoft.com/office/drawing/2014/main" id="{720CCA4D-C3CD-4D30-940E-DE5D389730D2}"/>
               </a:ext>
             </a:extLst>
           </p:cNvPr>
@@ -4245,18 +4231,52 @@
         </p:blipFill>
         <p:spPr>
           <a:xfrm>
-            <a:off x="82302" y="1697197"/>
-            <a:ext cx="12025616" cy="3965140"/>
+            <a:off x="1619142" y="1342968"/>
+            <a:ext cx="9534567" cy="4498283"/>
           </a:xfrm>
           <a:prstGeom prst="rect">
             <a:avLst/>
           </a:prstGeom>
         </p:spPr>
       </p:pic>
+      <p:sp>
+        <p:nvSpPr>
+          <p:cNvPr id="11" name="Номер слайда 10">
+            <a:extLst>
+              <a:ext uri="{FF2B5EF4-FFF2-40B4-BE49-F238E27FC236}">
+                <a16:creationId xmlns:a16="http://schemas.microsoft.com/office/drawing/2014/main" id="{FE060230-92E3-4D54-B637-036B28A13098}"/>
+              </a:ext>
+            </a:extLst>
+          </p:cNvPr>
+          <p:cNvSpPr>
+            <a:spLocks noGrp="1"/>
+          </p:cNvSpPr>
+          <p:nvPr>
+            <p:ph type="sldNum" sz="quarter" idx="12"/>
+          </p:nvPr>
+        </p:nvSpPr>
+        <p:spPr/>
+        <p:txBody>
+          <a:bodyPr/>
+          <a:lstStyle/>
+          <a:p>
+            <a:fld id="{1FB77788-E5A7-4255-94F6-739BDA5FC0D4}" type="slidenum">
+              <a:rPr lang="ru-RU" smtClean="0"/>
+              <a:pPr/>
+              <a:t>10</a:t>
+            </a:fld>
+            <a:r>
+              <a:rPr lang="ru-RU"/>
+              <a:t>/17</a:t>
+            </a:r>
+            <a:endParaRPr lang="ru-RU" dirty="0"/>
+          </a:p>
+        </p:txBody>
+      </p:sp>
     </p:spTree>
     <p:extLst>
       <p:ext uri="{BB962C8B-B14F-4D97-AF65-F5344CB8AC3E}">
-        <p14:creationId xmlns:p14="http://schemas.microsoft.com/office/powerpoint/2010/main" val="3312620805"/>
+        <p14:creationId xmlns:p14="http://schemas.microsoft.com/office/powerpoint/2010/main" val="92287534"/>
       </p:ext>
     </p:extLst>
   </p:cSld>
@@ -4317,6 +4337,145 @@
                 <a:latin typeface="Times New Roman" pitchFamily="18" charset="0"/>
                 <a:cs typeface="Times New Roman" pitchFamily="18" charset="0"/>
               </a:rPr>
+              <a:t>Структура базы данных</a:t>
+            </a:r>
+          </a:p>
+        </p:txBody>
+      </p:sp>
+      <p:pic>
+        <p:nvPicPr>
+          <p:cNvPr id="3" name="Рисунок 2">
+            <a:extLst>
+              <a:ext uri="{FF2B5EF4-FFF2-40B4-BE49-F238E27FC236}">
+                <a16:creationId xmlns:a16="http://schemas.microsoft.com/office/drawing/2014/main" id="{AC9973EE-DDB0-4110-A1D5-51D973AC2C11}"/>
+              </a:ext>
+            </a:extLst>
+          </p:cNvPr>
+          <p:cNvPicPr>
+            <a:picLocks noChangeAspect="1"/>
+          </p:cNvPicPr>
+          <p:nvPr/>
+        </p:nvPicPr>
+        <p:blipFill>
+          <a:blip r:embed="rId2">
+            <a:extLst>
+              <a:ext uri="{28A0092B-C50C-407E-A947-70E740481C1C}">
+                <a14:useLocalDpi xmlns:a14="http://schemas.microsoft.com/office/drawing/2010/main" val="0"/>
+              </a:ext>
+            </a:extLst>
+          </a:blip>
+          <a:stretch>
+            <a:fillRect/>
+          </a:stretch>
+        </p:blipFill>
+        <p:spPr>
+          <a:xfrm>
+            <a:off x="541479" y="1463720"/>
+            <a:ext cx="11386817" cy="4672556"/>
+          </a:xfrm>
+          <a:prstGeom prst="rect">
+            <a:avLst/>
+          </a:prstGeom>
+        </p:spPr>
+      </p:pic>
+      <p:sp>
+        <p:nvSpPr>
+          <p:cNvPr id="7" name="Номер слайда 6">
+            <a:extLst>
+              <a:ext uri="{FF2B5EF4-FFF2-40B4-BE49-F238E27FC236}">
+                <a16:creationId xmlns:a16="http://schemas.microsoft.com/office/drawing/2014/main" id="{4B18A1C4-18C9-4655-AC1C-9BB734B59F14}"/>
+              </a:ext>
+            </a:extLst>
+          </p:cNvPr>
+          <p:cNvSpPr>
+            <a:spLocks noGrp="1"/>
+          </p:cNvSpPr>
+          <p:nvPr>
+            <p:ph type="sldNum" sz="quarter" idx="12"/>
+          </p:nvPr>
+        </p:nvSpPr>
+        <p:spPr/>
+        <p:txBody>
+          <a:bodyPr/>
+          <a:lstStyle/>
+          <a:p>
+            <a:fld id="{1FB77788-E5A7-4255-94F6-739BDA5FC0D4}" type="slidenum">
+              <a:rPr lang="ru-RU" smtClean="0"/>
+              <a:pPr/>
+              <a:t>11</a:t>
+            </a:fld>
+            <a:r>
+              <a:rPr lang="ru-RU"/>
+              <a:t>/17</a:t>
+            </a:r>
+            <a:endParaRPr lang="ru-RU" dirty="0"/>
+          </a:p>
+        </p:txBody>
+      </p:sp>
+    </p:spTree>
+    <p:extLst>
+      <p:ext uri="{BB962C8B-B14F-4D97-AF65-F5344CB8AC3E}">
+        <p14:creationId xmlns:p14="http://schemas.microsoft.com/office/powerpoint/2010/main" val="3312620805"/>
+      </p:ext>
+    </p:extLst>
+  </p:cSld>
+  <p:clrMapOvr>
+    <a:masterClrMapping/>
+  </p:clrMapOvr>
+</p:sld>
+</file>
+
+<file path=ppt/slides/slide12.xml><?xml version="1.0" encoding="utf-8"?>
+<p:sld xmlns:a="http://schemas.openxmlformats.org/drawingml/2006/main" xmlns:r="http://schemas.openxmlformats.org/officeDocument/2006/relationships" xmlns:p="http://schemas.openxmlformats.org/presentationml/2006/main">
+  <p:cSld>
+    <p:spTree>
+      <p:nvGrpSpPr>
+        <p:cNvPr id="1" name=""/>
+        <p:cNvGrpSpPr/>
+        <p:nvPr/>
+      </p:nvGrpSpPr>
+      <p:grpSpPr>
+        <a:xfrm>
+          <a:off x="0" y="0"/>
+          <a:ext cx="0" cy="0"/>
+          <a:chOff x="0" y="0"/>
+          <a:chExt cx="0" cy="0"/>
+        </a:xfrm>
+      </p:grpSpPr>
+      <p:sp>
+        <p:nvSpPr>
+          <p:cNvPr id="4" name="Заголовок 1">
+            <a:extLst>
+              <a:ext uri="{FF2B5EF4-FFF2-40B4-BE49-F238E27FC236}">
+                <a16:creationId xmlns:a16="http://schemas.microsoft.com/office/drawing/2014/main" id="{0D7D0BE2-2D2C-4923-8220-23B01E71F7BA}"/>
+              </a:ext>
+            </a:extLst>
+          </p:cNvPr>
+          <p:cNvSpPr>
+            <a:spLocks noGrp="1"/>
+          </p:cNvSpPr>
+          <p:nvPr>
+            <p:ph type="title"/>
+          </p:nvPr>
+        </p:nvSpPr>
+        <p:spPr>
+          <a:xfrm>
+            <a:off x="1981200" y="217978"/>
+            <a:ext cx="8229600" cy="1143000"/>
+          </a:xfrm>
+        </p:spPr>
+        <p:txBody>
+          <a:bodyPr>
+            <a:normAutofit/>
+          </a:bodyPr>
+          <a:lstStyle/>
+          <a:p>
+            <a:pPr algn="ctr"/>
+            <a:r>
+              <a:rPr lang="ru-RU" dirty="0">
+                <a:latin typeface="Times New Roman" pitchFamily="18" charset="0"/>
+                <a:cs typeface="Times New Roman" pitchFamily="18" charset="0"/>
+              </a:rPr>
               <a:t>Средства реализации</a:t>
             </a:r>
           </a:p>
@@ -4337,7 +4496,7 @@
         <p:spPr>
           <a:xfrm>
             <a:off x="1065229" y="1772816"/>
-            <a:ext cx="10077253" cy="2958502"/>
+            <a:ext cx="10077253" cy="3697166"/>
           </a:xfrm>
           <a:prstGeom prst="rect">
             <a:avLst/>
@@ -4431,25 +4590,66 @@
               <a:buChar char="•"/>
             </a:pPr>
             <a:r>
+              <a:rPr lang="ru-RU" sz="3200" dirty="0">
+                <a:latin typeface="Times New Roman" pitchFamily="18" charset="0"/>
+                <a:cs typeface="Times New Roman" pitchFamily="18" charset="0"/>
+              </a:rPr>
+              <a:t>Сервис для аутентификации </a:t>
+            </a:r>
+            <a:r>
               <a:rPr lang="en-US" sz="3200" dirty="0">
                 <a:latin typeface="Times New Roman" pitchFamily="18" charset="0"/>
                 <a:cs typeface="Times New Roman" pitchFamily="18" charset="0"/>
               </a:rPr>
-              <a:t>API</a:t>
+              <a:t>Clerk</a:t>
             </a:r>
             <a:endParaRPr lang="ru-RU" sz="3200" dirty="0">
               <a:latin typeface="Times New Roman" pitchFamily="18" charset="0"/>
               <a:cs typeface="Times New Roman" pitchFamily="18" charset="0"/>
             </a:endParaRPr>
           </a:p>
-        </p:txBody>
-      </p:sp>
-      <p:sp>
-        <p:nvSpPr>
-          <p:cNvPr id="3" name="Номер слайда 2">
+          <a:p>
+            <a:pPr marL="457200" indent="-457200">
+              <a:lnSpc>
+                <a:spcPct val="150000"/>
+              </a:lnSpc>
+              <a:buFont typeface="Arial" panose="020B0604020202020204" pitchFamily="34" charset="0"/>
+              <a:buChar char="•"/>
+            </a:pPr>
+            <a:r>
+              <a:rPr lang="ru-RU" sz="3200" dirty="0">
+                <a:latin typeface="Times New Roman" pitchFamily="18" charset="0"/>
+                <a:cs typeface="Times New Roman" pitchFamily="18" charset="0"/>
+              </a:rPr>
+              <a:t>Сервис для обеспечения конференц-связи</a:t>
+            </a:r>
+            <a:r>
+              <a:rPr lang="en-US" sz="3200" dirty="0">
+                <a:latin typeface="Times New Roman" pitchFamily="18" charset="0"/>
+                <a:cs typeface="Times New Roman" pitchFamily="18" charset="0"/>
+              </a:rPr>
+              <a:t> </a:t>
+            </a:r>
+            <a:r>
+              <a:rPr lang="en-US" sz="3200" dirty="0" err="1">
+                <a:latin typeface="Times New Roman" pitchFamily="18" charset="0"/>
+                <a:cs typeface="Times New Roman" pitchFamily="18" charset="0"/>
+              </a:rPr>
+              <a:t>LiveKit</a:t>
+            </a:r>
+            <a:endParaRPr lang="ru-RU" sz="3200" dirty="0">
+              <a:latin typeface="Times New Roman" pitchFamily="18" charset="0"/>
+              <a:cs typeface="Times New Roman" pitchFamily="18" charset="0"/>
+            </a:endParaRPr>
+          </a:p>
+        </p:txBody>
+      </p:sp>
+      <p:sp>
+        <p:nvSpPr>
+          <p:cNvPr id="2" name="Номер слайда 1">
             <a:extLst>
               <a:ext uri="{FF2B5EF4-FFF2-40B4-BE49-F238E27FC236}">
-                <a16:creationId xmlns:a16="http://schemas.microsoft.com/office/drawing/2014/main" id="{58B0B1C2-90B3-425F-80DD-074BB0CAC5CE}"/>
+                <a16:creationId xmlns:a16="http://schemas.microsoft.com/office/drawing/2014/main" id="{32D3499C-CA4B-4025-B4B2-EE8C8AC492DF}"/>
               </a:ext>
             </a:extLst>
           </p:cNvPr>
@@ -4468,11 +4668,11 @@
             <a:fld id="{1FB77788-E5A7-4255-94F6-739BDA5FC0D4}" type="slidenum">
               <a:rPr lang="ru-RU" smtClean="0"/>
               <a:pPr/>
-              <a:t>11</a:t>
+              <a:t>12</a:t>
             </a:fld>
             <a:r>
               <a:rPr lang="ru-RU"/>
-              <a:t>/20</a:t>
+              <a:t>/17</a:t>
             </a:r>
             <a:endParaRPr lang="ru-RU" dirty="0"/>
           </a:p>
@@ -4491,7 +4691,7 @@
 </p:sld>
 </file>
 
-<file path=ppt/slides/slide12.xml><?xml version="1.0" encoding="utf-8"?>
+<file path=ppt/slides/slide13.xml><?xml version="1.0" encoding="utf-8"?>
 <p:sld xmlns:a="http://schemas.openxmlformats.org/drawingml/2006/main" xmlns:r="http://schemas.openxmlformats.org/officeDocument/2006/relationships" xmlns:p="http://schemas.openxmlformats.org/presentationml/2006/main">
   <p:cSld>
     <p:spTree>
@@ -4584,10 +4784,10 @@
       </p:pic>
       <p:sp>
         <p:nvSpPr>
-          <p:cNvPr id="3" name="Номер слайда 2">
+          <p:cNvPr id="2" name="Номер слайда 1">
             <a:extLst>
               <a:ext uri="{FF2B5EF4-FFF2-40B4-BE49-F238E27FC236}">
-                <a16:creationId xmlns:a16="http://schemas.microsoft.com/office/drawing/2014/main" id="{25EF48AF-D43A-4B95-80F9-5D417E91AACE}"/>
+                <a16:creationId xmlns:a16="http://schemas.microsoft.com/office/drawing/2014/main" id="{52418926-B1DE-4141-8419-4A21200C8990}"/>
               </a:ext>
             </a:extLst>
           </p:cNvPr>
@@ -4606,11 +4806,11 @@
             <a:fld id="{1FB77788-E5A7-4255-94F6-739BDA5FC0D4}" type="slidenum">
               <a:rPr lang="ru-RU" smtClean="0"/>
               <a:pPr/>
-              <a:t>12</a:t>
+              <a:t>13</a:t>
             </a:fld>
             <a:r>
               <a:rPr lang="ru-RU"/>
-              <a:t>/20</a:t>
+              <a:t>/17</a:t>
             </a:r>
             <a:endParaRPr lang="ru-RU" dirty="0"/>
           </a:p>
@@ -4629,7 +4829,7 @@
 </p:sld>
 </file>
 
-<file path=ppt/slides/slide13.xml><?xml version="1.0" encoding="utf-8"?>
+<file path=ppt/slides/slide14.xml><?xml version="1.0" encoding="utf-8"?>
 <p:sld xmlns:a="http://schemas.openxmlformats.org/drawingml/2006/main" xmlns:r="http://schemas.openxmlformats.org/officeDocument/2006/relationships" xmlns:p="http://schemas.openxmlformats.org/presentationml/2006/main">
   <p:cSld>
     <p:spTree>
@@ -4736,10 +4936,10 @@
       </p:pic>
       <p:sp>
         <p:nvSpPr>
-          <p:cNvPr id="5" name="Номер слайда 4">
+          <p:cNvPr id="2" name="Номер слайда 1">
             <a:extLst>
               <a:ext uri="{FF2B5EF4-FFF2-40B4-BE49-F238E27FC236}">
-                <a16:creationId xmlns:a16="http://schemas.microsoft.com/office/drawing/2014/main" id="{5DD12BAC-9978-42E4-BDFB-14068C510047}"/>
+                <a16:creationId xmlns:a16="http://schemas.microsoft.com/office/drawing/2014/main" id="{7B5D0A3A-7589-40C0-86EA-07D3346DF3C6}"/>
               </a:ext>
             </a:extLst>
           </p:cNvPr>
@@ -4758,11 +4958,11 @@
             <a:fld id="{1FB77788-E5A7-4255-94F6-739BDA5FC0D4}" type="slidenum">
               <a:rPr lang="ru-RU" smtClean="0"/>
               <a:pPr/>
-              <a:t>13</a:t>
+              <a:t>14</a:t>
             </a:fld>
             <a:r>
               <a:rPr lang="ru-RU"/>
-              <a:t>/20</a:t>
+              <a:t>/17</a:t>
             </a:r>
             <a:endParaRPr lang="ru-RU" dirty="0"/>
           </a:p>
@@ -4781,7 +4981,7 @@
 </p:sld>
 </file>
 
-<file path=ppt/slides/slide14.xml><?xml version="1.0" encoding="utf-8"?>
+<file path=ppt/slides/slide15.xml><?xml version="1.0" encoding="utf-8"?>
 <p:sld xmlns:a="http://schemas.openxmlformats.org/drawingml/2006/main" xmlns:r="http://schemas.openxmlformats.org/officeDocument/2006/relationships" xmlns:p="http://schemas.openxmlformats.org/presentationml/2006/main">
   <p:cSld>
     <p:spTree>
@@ -4874,230 +5074,10 @@
       </p:pic>
       <p:sp>
         <p:nvSpPr>
-          <p:cNvPr id="3" name="Номер слайда 2">
+          <p:cNvPr id="2" name="Номер слайда 1">
             <a:extLst>
               <a:ext uri="{FF2B5EF4-FFF2-40B4-BE49-F238E27FC236}">
-                <a16:creationId xmlns:a16="http://schemas.microsoft.com/office/drawing/2014/main" id="{E1D90069-5720-4373-AB7A-FFADB7DBF0F7}"/>
-              </a:ext>
-            </a:extLst>
-          </p:cNvPr>
-          <p:cNvSpPr>
-            <a:spLocks noGrp="1"/>
-          </p:cNvSpPr>
-          <p:nvPr>
-            <p:ph type="sldNum" sz="quarter" idx="12"/>
-          </p:nvPr>
-        </p:nvSpPr>
-        <p:spPr/>
-        <p:txBody>
-          <a:bodyPr/>
-          <a:lstStyle/>
-          <a:p>
-            <a:fld id="{1FB77788-E5A7-4255-94F6-739BDA5FC0D4}" type="slidenum">
-              <a:rPr lang="ru-RU" smtClean="0"/>
-              <a:pPr/>
-              <a:t>14</a:t>
-            </a:fld>
-            <a:r>
-              <a:rPr lang="ru-RU"/>
-              <a:t>/20</a:t>
-            </a:r>
-            <a:endParaRPr lang="ru-RU" dirty="0"/>
-          </a:p>
-        </p:txBody>
-      </p:sp>
-    </p:spTree>
-    <p:extLst>
-      <p:ext uri="{BB962C8B-B14F-4D97-AF65-F5344CB8AC3E}">
-        <p14:creationId xmlns:p14="http://schemas.microsoft.com/office/powerpoint/2010/main" val="1040547483"/>
-      </p:ext>
-    </p:extLst>
-  </p:cSld>
-  <p:clrMapOvr>
-    <a:masterClrMapping/>
-  </p:clrMapOvr>
-</p:sld>
-</file>
-
-<file path=ppt/slides/slide15.xml><?xml version="1.0" encoding="utf-8"?>
-<p:sld xmlns:a="http://schemas.openxmlformats.org/drawingml/2006/main" xmlns:r="http://schemas.openxmlformats.org/officeDocument/2006/relationships" xmlns:p="http://schemas.openxmlformats.org/presentationml/2006/main">
-  <p:cSld>
-    <p:spTree>
-      <p:nvGrpSpPr>
-        <p:cNvPr id="1" name=""/>
-        <p:cNvGrpSpPr/>
-        <p:nvPr/>
-      </p:nvGrpSpPr>
-      <p:grpSpPr>
-        <a:xfrm>
-          <a:off x="0" y="0"/>
-          <a:ext cx="0" cy="0"/>
-          <a:chOff x="0" y="0"/>
-          <a:chExt cx="0" cy="0"/>
-        </a:xfrm>
-      </p:grpSpPr>
-      <p:sp>
-        <p:nvSpPr>
-          <p:cNvPr id="4" name="Заголовок 1">
-            <a:extLst>
-              <a:ext uri="{FF2B5EF4-FFF2-40B4-BE49-F238E27FC236}">
-                <a16:creationId xmlns:a16="http://schemas.microsoft.com/office/drawing/2014/main" id="{BAADC3CD-C73B-4F09-9A29-317A6DA0C7E5}"/>
-              </a:ext>
-            </a:extLst>
-          </p:cNvPr>
-          <p:cNvSpPr>
-            <a:spLocks noGrp="1"/>
-          </p:cNvSpPr>
-          <p:nvPr>
-            <p:ph type="title"/>
-          </p:nvPr>
-        </p:nvSpPr>
-        <p:spPr>
-          <a:xfrm>
-            <a:off x="2063552" y="18331"/>
-            <a:ext cx="8229600" cy="1143000"/>
-          </a:xfrm>
-        </p:spPr>
-        <p:txBody>
-          <a:bodyPr>
-            <a:normAutofit/>
-          </a:bodyPr>
-          <a:lstStyle/>
-          <a:p>
-            <a:pPr algn="ctr"/>
-            <a:r>
-              <a:rPr lang="ru-RU" dirty="0">
-                <a:latin typeface="Times New Roman" pitchFamily="18" charset="0"/>
-                <a:cs typeface="Times New Roman" pitchFamily="18" charset="0"/>
-              </a:rPr>
-              <a:t>Тестирование</a:t>
-            </a:r>
-          </a:p>
-        </p:txBody>
-      </p:sp>
-      <p:sp>
-        <p:nvSpPr>
-          <p:cNvPr id="5" name="TextBox 4">
-            <a:extLst>
-              <a:ext uri="{FF2B5EF4-FFF2-40B4-BE49-F238E27FC236}">
-                <a16:creationId xmlns:a16="http://schemas.microsoft.com/office/drawing/2014/main" id="{959DDE73-FC19-4850-A3D6-70FEF85A9B27}"/>
-              </a:ext>
-            </a:extLst>
-          </p:cNvPr>
-          <p:cNvSpPr txBox="1"/>
-          <p:nvPr/>
-        </p:nvSpPr>
-        <p:spPr>
-          <a:xfrm>
-            <a:off x="1047946" y="1717073"/>
-            <a:ext cx="10096107" cy="3108543"/>
-          </a:xfrm>
-          <a:prstGeom prst="rect">
-            <a:avLst/>
-          </a:prstGeom>
-          <a:noFill/>
-        </p:spPr>
-        <p:txBody>
-          <a:bodyPr wrap="square" rtlCol="0">
-            <a:spAutoFit/>
-          </a:bodyPr>
-          <a:lstStyle/>
-          <a:p>
-            <a:pPr marL="514350" indent="-514350">
-              <a:buFont typeface="+mj-lt"/>
-              <a:buAutoNum type="arabicPeriod"/>
-            </a:pPr>
-            <a:r>
-              <a:rPr lang="ru-RU" sz="2800" dirty="0">
-                <a:latin typeface="Times New Roman" pitchFamily="18" charset="0"/>
-                <a:cs typeface="Times New Roman" pitchFamily="18" charset="0"/>
-              </a:rPr>
-              <a:t>Потоковая трансляция видео</a:t>
-            </a:r>
-          </a:p>
-          <a:p>
-            <a:pPr marL="514350" indent="-514350">
-              <a:buFont typeface="+mj-lt"/>
-              <a:buAutoNum type="arabicPeriod"/>
-            </a:pPr>
-            <a:r>
-              <a:rPr lang="ru-RU" sz="2800" dirty="0">
-                <a:latin typeface="Times New Roman" pitchFamily="18" charset="0"/>
-                <a:cs typeface="Times New Roman" pitchFamily="18" charset="0"/>
-              </a:rPr>
-              <a:t>Авторизация и регистрация</a:t>
-            </a:r>
-          </a:p>
-          <a:p>
-            <a:pPr marL="514350" indent="-514350">
-              <a:buFont typeface="+mj-lt"/>
-              <a:buAutoNum type="arabicPeriod"/>
-            </a:pPr>
-            <a:r>
-              <a:rPr lang="ru-RU" sz="2800" dirty="0">
-                <a:latin typeface="Times New Roman" pitchFamily="18" charset="0"/>
-                <a:cs typeface="Times New Roman" pitchFamily="18" charset="0"/>
-              </a:rPr>
-              <a:t>Чат</a:t>
-            </a:r>
-          </a:p>
-          <a:p>
-            <a:pPr marL="514350" indent="-514350">
-              <a:buFont typeface="+mj-lt"/>
-              <a:buAutoNum type="arabicPeriod"/>
-            </a:pPr>
-            <a:r>
-              <a:rPr lang="ru-RU" sz="2800" dirty="0">
-                <a:latin typeface="Times New Roman" pitchFamily="18" charset="0"/>
-                <a:cs typeface="Times New Roman" pitchFamily="18" charset="0"/>
-              </a:rPr>
-              <a:t>Подписка на пользователей</a:t>
-            </a:r>
-          </a:p>
-          <a:p>
-            <a:pPr marL="514350" indent="-514350">
-              <a:buFont typeface="+mj-lt"/>
-              <a:buAutoNum type="arabicPeriod"/>
-            </a:pPr>
-            <a:r>
-              <a:rPr lang="ru-RU" sz="2800" dirty="0">
-                <a:latin typeface="Times New Roman" pitchFamily="18" charset="0"/>
-                <a:cs typeface="Times New Roman" pitchFamily="18" charset="0"/>
-              </a:rPr>
-              <a:t>Блокировка пользователей</a:t>
-            </a:r>
-          </a:p>
-          <a:p>
-            <a:pPr marL="514350" indent="-514350">
-              <a:buFont typeface="+mj-lt"/>
-              <a:buAutoNum type="arabicPeriod"/>
-            </a:pPr>
-            <a:r>
-              <a:rPr lang="ru-RU" sz="2800" dirty="0">
-                <a:latin typeface="Times New Roman" pitchFamily="18" charset="0"/>
-                <a:cs typeface="Times New Roman" pitchFamily="18" charset="0"/>
-              </a:rPr>
-              <a:t>Поиск трансляций</a:t>
-            </a:r>
-          </a:p>
-          <a:p>
-            <a:pPr marL="457200" indent="-457200">
-              <a:buFont typeface="Arial" panose="020B0604020202020204" pitchFamily="34" charset="0"/>
-              <a:buChar char="•"/>
-            </a:pPr>
-            <a:endParaRPr lang="ru-RU" sz="2800" dirty="0">
-              <a:latin typeface="Times New Roman" pitchFamily="18" charset="0"/>
-              <a:cs typeface="Times New Roman" pitchFamily="18" charset="0"/>
-            </a:endParaRPr>
-          </a:p>
-        </p:txBody>
-      </p:sp>
-      <p:sp>
-        <p:nvSpPr>
-          <p:cNvPr id="3" name="Номер слайда 2">
-            <a:extLst>
-              <a:ext uri="{FF2B5EF4-FFF2-40B4-BE49-F238E27FC236}">
-                <a16:creationId xmlns:a16="http://schemas.microsoft.com/office/drawing/2014/main" id="{3CC08675-064B-41AD-BCA3-EBD6DB3EC661}"/>
+                <a16:creationId xmlns:a16="http://schemas.microsoft.com/office/drawing/2014/main" id="{38EC3FE1-89DB-42E6-B18A-342DB93AD20A}"/>
               </a:ext>
             </a:extLst>
           </p:cNvPr>
@@ -5120,7 +5100,7 @@
             </a:fld>
             <a:r>
               <a:rPr lang="ru-RU"/>
-              <a:t>/20</a:t>
+              <a:t>/17</a:t>
             </a:r>
             <a:endParaRPr lang="ru-RU" dirty="0"/>
           </a:p>
@@ -5129,7 +5109,7 @@
     </p:spTree>
     <p:extLst>
       <p:ext uri="{BB962C8B-B14F-4D97-AF65-F5344CB8AC3E}">
-        <p14:creationId xmlns:p14="http://schemas.microsoft.com/office/powerpoint/2010/main" val="4074368438"/>
+        <p14:creationId xmlns:p14="http://schemas.microsoft.com/office/powerpoint/2010/main" val="1040547483"/>
       </p:ext>
     </p:extLst>
   </p:cSld>
@@ -5158,6 +5138,265 @@
       </p:grpSpPr>
       <p:sp>
         <p:nvSpPr>
+          <p:cNvPr id="4" name="Заголовок 1">
+            <a:extLst>
+              <a:ext uri="{FF2B5EF4-FFF2-40B4-BE49-F238E27FC236}">
+                <a16:creationId xmlns:a16="http://schemas.microsoft.com/office/drawing/2014/main" id="{BAADC3CD-C73B-4F09-9A29-317A6DA0C7E5}"/>
+              </a:ext>
+            </a:extLst>
+          </p:cNvPr>
+          <p:cNvSpPr>
+            <a:spLocks noGrp="1"/>
+          </p:cNvSpPr>
+          <p:nvPr>
+            <p:ph type="title"/>
+          </p:nvPr>
+        </p:nvSpPr>
+        <p:spPr>
+          <a:xfrm>
+            <a:off x="2063552" y="18331"/>
+            <a:ext cx="8229600" cy="1143000"/>
+          </a:xfrm>
+        </p:spPr>
+        <p:txBody>
+          <a:bodyPr>
+            <a:normAutofit/>
+          </a:bodyPr>
+          <a:lstStyle/>
+          <a:p>
+            <a:pPr algn="ctr"/>
+            <a:r>
+              <a:rPr lang="ru-RU" dirty="0">
+                <a:latin typeface="Times New Roman" pitchFamily="18" charset="0"/>
+                <a:cs typeface="Times New Roman" pitchFamily="18" charset="0"/>
+              </a:rPr>
+              <a:t>Тестирование</a:t>
+            </a:r>
+          </a:p>
+        </p:txBody>
+      </p:sp>
+      <p:sp>
+        <p:nvSpPr>
+          <p:cNvPr id="5" name="TextBox 4">
+            <a:extLst>
+              <a:ext uri="{FF2B5EF4-FFF2-40B4-BE49-F238E27FC236}">
+                <a16:creationId xmlns:a16="http://schemas.microsoft.com/office/drawing/2014/main" id="{959DDE73-FC19-4850-A3D6-70FEF85A9B27}"/>
+              </a:ext>
+            </a:extLst>
+          </p:cNvPr>
+          <p:cNvSpPr txBox="1"/>
+          <p:nvPr/>
+        </p:nvSpPr>
+        <p:spPr>
+          <a:xfrm>
+            <a:off x="1047946" y="1717073"/>
+            <a:ext cx="10096107" cy="4401205"/>
+          </a:xfrm>
+          <a:prstGeom prst="rect">
+            <a:avLst/>
+          </a:prstGeom>
+          <a:noFill/>
+        </p:spPr>
+        <p:txBody>
+          <a:bodyPr wrap="square" rtlCol="0">
+            <a:spAutoFit/>
+          </a:bodyPr>
+          <a:lstStyle/>
+          <a:p>
+            <a:pPr marL="514350" indent="-514350">
+              <a:buFont typeface="+mj-lt"/>
+              <a:buAutoNum type="arabicPeriod"/>
+            </a:pPr>
+            <a:r>
+              <a:rPr lang="ru-RU" sz="2800" dirty="0">
+                <a:latin typeface="Times New Roman" pitchFamily="18" charset="0"/>
+                <a:cs typeface="Times New Roman" pitchFamily="18" charset="0"/>
+              </a:rPr>
+              <a:t>Потоковая трансляция видео</a:t>
+            </a:r>
+          </a:p>
+          <a:p>
+            <a:pPr marL="514350" indent="-514350">
+              <a:buFont typeface="+mj-lt"/>
+              <a:buAutoNum type="arabicPeriod"/>
+            </a:pPr>
+            <a:r>
+              <a:rPr lang="ru-RU" sz="2800" dirty="0">
+                <a:latin typeface="Times New Roman" pitchFamily="18" charset="0"/>
+                <a:cs typeface="Times New Roman" pitchFamily="18" charset="0"/>
+              </a:rPr>
+              <a:t>Авторизация</a:t>
+            </a:r>
+          </a:p>
+          <a:p>
+            <a:pPr marL="514350" indent="-514350">
+              <a:buFont typeface="+mj-lt"/>
+              <a:buAutoNum type="arabicPeriod"/>
+            </a:pPr>
+            <a:r>
+              <a:rPr lang="ru-RU" sz="2800" dirty="0">
+                <a:latin typeface="Times New Roman" pitchFamily="18" charset="0"/>
+                <a:cs typeface="Times New Roman" pitchFamily="18" charset="0"/>
+              </a:rPr>
+              <a:t>Регистрация</a:t>
+            </a:r>
+          </a:p>
+          <a:p>
+            <a:pPr marL="514350" indent="-514350">
+              <a:buFont typeface="+mj-lt"/>
+              <a:buAutoNum type="arabicPeriod"/>
+            </a:pPr>
+            <a:r>
+              <a:rPr lang="ru-RU" sz="2800" dirty="0">
+                <a:latin typeface="Times New Roman" pitchFamily="18" charset="0"/>
+                <a:cs typeface="Times New Roman" pitchFamily="18" charset="0"/>
+              </a:rPr>
+              <a:t>Отправление сообщений в чат</a:t>
+            </a:r>
+          </a:p>
+          <a:p>
+            <a:pPr marL="514350" indent="-514350">
+              <a:buFont typeface="+mj-lt"/>
+              <a:buAutoNum type="arabicPeriod"/>
+            </a:pPr>
+            <a:r>
+              <a:rPr lang="ru-RU" sz="2800" dirty="0">
+                <a:latin typeface="Times New Roman" pitchFamily="18" charset="0"/>
+                <a:cs typeface="Times New Roman" pitchFamily="18" charset="0"/>
+              </a:rPr>
+              <a:t>Подписка на пользователей</a:t>
+            </a:r>
+          </a:p>
+          <a:p>
+            <a:pPr marL="514350" indent="-514350">
+              <a:buFont typeface="+mj-lt"/>
+              <a:buAutoNum type="arabicPeriod"/>
+            </a:pPr>
+            <a:r>
+              <a:rPr lang="ru-RU" sz="2800" dirty="0">
+                <a:latin typeface="Times New Roman" pitchFamily="18" charset="0"/>
+                <a:cs typeface="Times New Roman" pitchFamily="18" charset="0"/>
+              </a:rPr>
+              <a:t>Блокировка пользователей</a:t>
+            </a:r>
+          </a:p>
+          <a:p>
+            <a:pPr marL="514350" indent="-514350">
+              <a:buFont typeface="+mj-lt"/>
+              <a:buAutoNum type="arabicPeriod"/>
+            </a:pPr>
+            <a:r>
+              <a:rPr lang="ru-RU" sz="2800" dirty="0">
+                <a:latin typeface="Times New Roman" pitchFamily="18" charset="0"/>
+                <a:cs typeface="Times New Roman" pitchFamily="18" charset="0"/>
+              </a:rPr>
+              <a:t>Поиск трансляций</a:t>
+            </a:r>
+          </a:p>
+          <a:p>
+            <a:pPr marL="514350" indent="-514350">
+              <a:buFont typeface="+mj-lt"/>
+              <a:buAutoNum type="arabicPeriod"/>
+            </a:pPr>
+            <a:r>
+              <a:rPr lang="ru-RU" sz="2800" dirty="0">
+                <a:latin typeface="Times New Roman" pitchFamily="18" charset="0"/>
+                <a:cs typeface="Times New Roman" pitchFamily="18" charset="0"/>
+              </a:rPr>
+              <a:t>Функция отключения чата</a:t>
+            </a:r>
+          </a:p>
+          <a:p>
+            <a:pPr marL="514350" indent="-514350">
+              <a:buFont typeface="+mj-lt"/>
+              <a:buAutoNum type="arabicPeriod"/>
+            </a:pPr>
+            <a:r>
+              <a:rPr lang="ru-RU" sz="2800" dirty="0">
+                <a:latin typeface="Times New Roman" pitchFamily="18" charset="0"/>
+                <a:cs typeface="Times New Roman" pitchFamily="18" charset="0"/>
+              </a:rPr>
+              <a:t>Генерация ключа трансляции</a:t>
+            </a:r>
+          </a:p>
+          <a:p>
+            <a:pPr marL="457200" indent="-457200">
+              <a:buFont typeface="Arial" panose="020B0604020202020204" pitchFamily="34" charset="0"/>
+              <a:buChar char="•"/>
+            </a:pPr>
+            <a:endParaRPr lang="ru-RU" sz="2800" dirty="0">
+              <a:latin typeface="Times New Roman" pitchFamily="18" charset="0"/>
+              <a:cs typeface="Times New Roman" pitchFamily="18" charset="0"/>
+            </a:endParaRPr>
+          </a:p>
+        </p:txBody>
+      </p:sp>
+      <p:sp>
+        <p:nvSpPr>
+          <p:cNvPr id="2" name="Номер слайда 1">
+            <a:extLst>
+              <a:ext uri="{FF2B5EF4-FFF2-40B4-BE49-F238E27FC236}">
+                <a16:creationId xmlns:a16="http://schemas.microsoft.com/office/drawing/2014/main" id="{533C03AE-3550-4F10-A341-CFEEC4FBB7F5}"/>
+              </a:ext>
+            </a:extLst>
+          </p:cNvPr>
+          <p:cNvSpPr>
+            <a:spLocks noGrp="1"/>
+          </p:cNvSpPr>
+          <p:nvPr>
+            <p:ph type="sldNum" sz="quarter" idx="12"/>
+          </p:nvPr>
+        </p:nvSpPr>
+        <p:spPr/>
+        <p:txBody>
+          <a:bodyPr/>
+          <a:lstStyle/>
+          <a:p>
+            <a:fld id="{1FB77788-E5A7-4255-94F6-739BDA5FC0D4}" type="slidenum">
+              <a:rPr lang="ru-RU" smtClean="0"/>
+              <a:pPr/>
+              <a:t>16</a:t>
+            </a:fld>
+            <a:r>
+              <a:rPr lang="ru-RU"/>
+              <a:t>/17</a:t>
+            </a:r>
+            <a:endParaRPr lang="ru-RU" dirty="0"/>
+          </a:p>
+        </p:txBody>
+      </p:sp>
+    </p:spTree>
+    <p:extLst>
+      <p:ext uri="{BB962C8B-B14F-4D97-AF65-F5344CB8AC3E}">
+        <p14:creationId xmlns:p14="http://schemas.microsoft.com/office/powerpoint/2010/main" val="4074368438"/>
+      </p:ext>
+    </p:extLst>
+  </p:cSld>
+  <p:clrMapOvr>
+    <a:masterClrMapping/>
+  </p:clrMapOvr>
+</p:sld>
+</file>
+
+<file path=ppt/slides/slide17.xml><?xml version="1.0" encoding="utf-8"?>
+<p:sld xmlns:a="http://schemas.openxmlformats.org/drawingml/2006/main" xmlns:r="http://schemas.openxmlformats.org/officeDocument/2006/relationships" xmlns:p="http://schemas.openxmlformats.org/presentationml/2006/main">
+  <p:cSld>
+    <p:spTree>
+      <p:nvGrpSpPr>
+        <p:cNvPr id="1" name=""/>
+        <p:cNvGrpSpPr/>
+        <p:nvPr/>
+      </p:nvGrpSpPr>
+      <p:grpSpPr>
+        <a:xfrm>
+          <a:off x="0" y="0"/>
+          <a:ext cx="0" cy="0"/>
+          <a:chOff x="0" y="0"/>
+          <a:chExt cx="0" cy="0"/>
+        </a:xfrm>
+      </p:grpSpPr>
+      <p:sp>
+        <p:nvSpPr>
           <p:cNvPr id="8" name="Заголовок 1">
             <a:extLst>
               <a:ext uri="{FF2B5EF4-FFF2-40B4-BE49-F238E27FC236}">
@@ -5307,10 +5546,10 @@
       </p:sp>
       <p:sp>
         <p:nvSpPr>
-          <p:cNvPr id="3" name="Номер слайда 2">
+          <p:cNvPr id="2" name="Номер слайда 1">
             <a:extLst>
               <a:ext uri="{FF2B5EF4-FFF2-40B4-BE49-F238E27FC236}">
-                <a16:creationId xmlns:a16="http://schemas.microsoft.com/office/drawing/2014/main" id="{BF4EDF2E-D6E9-425C-B056-92E031BCD857}"/>
+                <a16:creationId xmlns:a16="http://schemas.microsoft.com/office/drawing/2014/main" id="{A885EAE3-F86D-4669-A7B9-FF57EAD9FD24}"/>
               </a:ext>
             </a:extLst>
           </p:cNvPr>
@@ -5329,11 +5568,11 @@
             <a:fld id="{1FB77788-E5A7-4255-94F6-739BDA5FC0D4}" type="slidenum">
               <a:rPr lang="ru-RU" smtClean="0"/>
               <a:pPr/>
-              <a:t>16</a:t>
+              <a:t>17</a:t>
             </a:fld>
             <a:r>
               <a:rPr lang="ru-RU"/>
-              <a:t>/20</a:t>
+              <a:t>/17</a:t>
             </a:r>
             <a:endParaRPr lang="ru-RU" dirty="0"/>
           </a:p>
@@ -5480,10 +5719,10 @@
       </p:sp>
       <p:sp>
         <p:nvSpPr>
-          <p:cNvPr id="3" name="Номер слайда 2">
+          <p:cNvPr id="2" name="Номер слайда 1">
             <a:extLst>
               <a:ext uri="{FF2B5EF4-FFF2-40B4-BE49-F238E27FC236}">
-                <a16:creationId xmlns:a16="http://schemas.microsoft.com/office/drawing/2014/main" id="{A0AA219C-1F40-429E-B2CC-F097FE8AF845}"/>
+                <a16:creationId xmlns:a16="http://schemas.microsoft.com/office/drawing/2014/main" id="{460B08D6-2413-4842-83C8-92DBC053C7F1}"/>
               </a:ext>
             </a:extLst>
           </p:cNvPr>
@@ -5506,7 +5745,7 @@
             </a:fld>
             <a:r>
               <a:rPr lang="ru-RU"/>
-              <a:t>/20</a:t>
+              <a:t>/17</a:t>
             </a:r>
             <a:endParaRPr lang="ru-RU" dirty="0"/>
           </a:p>
@@ -5712,10 +5951,10 @@
       </p:sp>
       <p:sp>
         <p:nvSpPr>
-          <p:cNvPr id="3" name="Номер слайда 2">
+          <p:cNvPr id="2" name="Номер слайда 1">
             <a:extLst>
               <a:ext uri="{FF2B5EF4-FFF2-40B4-BE49-F238E27FC236}">
-                <a16:creationId xmlns:a16="http://schemas.microsoft.com/office/drawing/2014/main" id="{9F49F457-9034-40EB-94E5-A9E3ECD8A951}"/>
+                <a16:creationId xmlns:a16="http://schemas.microsoft.com/office/drawing/2014/main" id="{DD11FDB0-BC4E-47DC-ADDD-49692DB61A40}"/>
               </a:ext>
             </a:extLst>
           </p:cNvPr>
@@ -5738,7 +5977,7 @@
             </a:fld>
             <a:r>
               <a:rPr lang="ru-RU"/>
-              <a:t>/20</a:t>
+              <a:t>/17</a:t>
             </a:r>
             <a:endParaRPr lang="ru-RU" dirty="0"/>
           </a:p>
@@ -5829,7 +6068,7 @@
         </p:nvSpPr>
         <p:spPr>
           <a:xfrm>
-            <a:off x="2623996" y="1251865"/>
+            <a:off x="2623996" y="1115699"/>
             <a:ext cx="8229600" cy="651626"/>
           </a:xfrm>
           <a:prstGeom prst="rect">
@@ -5896,8 +6135,8 @@
         </p:blipFill>
         <p:spPr>
           <a:xfrm>
-            <a:off x="2003271" y="2160706"/>
-            <a:ext cx="8350163" cy="4000178"/>
+            <a:off x="1602579" y="1767325"/>
+            <a:ext cx="9520367" cy="4560769"/>
           </a:xfrm>
           <a:prstGeom prst="rect">
             <a:avLst/>
@@ -5911,10 +6150,10 @@
       </p:pic>
       <p:sp>
         <p:nvSpPr>
-          <p:cNvPr id="3" name="Номер слайда 2">
+          <p:cNvPr id="2" name="Номер слайда 1">
             <a:extLst>
               <a:ext uri="{FF2B5EF4-FFF2-40B4-BE49-F238E27FC236}">
-                <a16:creationId xmlns:a16="http://schemas.microsoft.com/office/drawing/2014/main" id="{36488C4F-8844-4A78-B568-FF434F48004D}"/>
+                <a16:creationId xmlns:a16="http://schemas.microsoft.com/office/drawing/2014/main" id="{AB0AA1DD-8D26-46B7-84FB-9179BFF26C50}"/>
               </a:ext>
             </a:extLst>
           </p:cNvPr>
@@ -5937,7 +6176,7 @@
             </a:fld>
             <a:r>
               <a:rPr lang="ru-RU"/>
-              <a:t>/20</a:t>
+              <a:t>/17</a:t>
             </a:r>
             <a:endParaRPr lang="ru-RU" dirty="0"/>
           </a:p>
@@ -6028,7 +6267,7 @@
         </p:nvSpPr>
         <p:spPr>
           <a:xfrm>
-            <a:off x="2623996" y="1251865"/>
+            <a:off x="2623996" y="1066578"/>
             <a:ext cx="8229600" cy="651626"/>
           </a:xfrm>
           <a:prstGeom prst="rect">
@@ -6095,8 +6334,8 @@
         </p:blipFill>
         <p:spPr>
           <a:xfrm>
-            <a:off x="2117587" y="2138880"/>
-            <a:ext cx="7956826" cy="3912706"/>
+            <a:off x="1736745" y="1688261"/>
+            <a:ext cx="9553856" cy="4698033"/>
           </a:xfrm>
           <a:prstGeom prst="rect">
             <a:avLst/>
@@ -6110,10 +6349,10 @@
       </p:pic>
       <p:sp>
         <p:nvSpPr>
-          <p:cNvPr id="6" name="Номер слайда 5">
+          <p:cNvPr id="2" name="Номер слайда 1">
             <a:extLst>
               <a:ext uri="{FF2B5EF4-FFF2-40B4-BE49-F238E27FC236}">
-                <a16:creationId xmlns:a16="http://schemas.microsoft.com/office/drawing/2014/main" id="{743732D3-0D22-46FF-B771-17E9E350C90E}"/>
+                <a16:creationId xmlns:a16="http://schemas.microsoft.com/office/drawing/2014/main" id="{486FA80E-2EF5-49BB-BB0D-BB4EE7BAA030}"/>
               </a:ext>
             </a:extLst>
           </p:cNvPr>
@@ -6136,7 +6375,7 @@
             </a:fld>
             <a:r>
               <a:rPr lang="ru-RU"/>
-              <a:t>/20</a:t>
+              <a:t>/17</a:t>
             </a:r>
             <a:endParaRPr lang="ru-RU" dirty="0"/>
           </a:p>
@@ -6226,7 +6465,7 @@
         <p:spPr>
           <a:xfrm>
             <a:off x="1065229" y="1143000"/>
-            <a:ext cx="10086680" cy="4401205"/>
+            <a:ext cx="10086680" cy="4832092"/>
           </a:xfrm>
           <a:prstGeom prst="rect">
             <a:avLst/>
@@ -6277,7 +6516,7 @@
                 <a:latin typeface="Times New Roman" pitchFamily="18" charset="0"/>
                 <a:cs typeface="Times New Roman" pitchFamily="18" charset="0"/>
               </a:rPr>
-              <a:t>•	Предоставлять возможность поиска каналов и трансляций</a:t>
+              <a:t>•	Предоставлять возможность поиска пользователей и трансляций</a:t>
             </a:r>
           </a:p>
           <a:p>
@@ -6286,7 +6525,7 @@
                 <a:latin typeface="Times New Roman" pitchFamily="18" charset="0"/>
                 <a:cs typeface="Times New Roman" pitchFamily="18" charset="0"/>
               </a:rPr>
-              <a:t>•	Предоставлять возможность переписке в общем чате трансляции</a:t>
+              <a:t>•	Предоставлять возможность переписки в общем чате трансляции</a:t>
             </a:r>
           </a:p>
           <a:p>
@@ -6306,10 +6545,10 @@
       </p:sp>
       <p:sp>
         <p:nvSpPr>
-          <p:cNvPr id="7" name="Номер слайда 6">
+          <p:cNvPr id="2" name="Номер слайда 1">
             <a:extLst>
               <a:ext uri="{FF2B5EF4-FFF2-40B4-BE49-F238E27FC236}">
-                <a16:creationId xmlns:a16="http://schemas.microsoft.com/office/drawing/2014/main" id="{5F581ED2-06D8-4CE0-B0B9-276E1C6F0C4A}"/>
+                <a16:creationId xmlns:a16="http://schemas.microsoft.com/office/drawing/2014/main" id="{97DEE970-2311-405D-98A4-6A36A13BC27D}"/>
               </a:ext>
             </a:extLst>
           </p:cNvPr>
@@ -6332,7 +6571,7 @@
             </a:fld>
             <a:r>
               <a:rPr lang="ru-RU"/>
-              <a:t>/20</a:t>
+              <a:t>/17</a:t>
             </a:r>
             <a:endParaRPr lang="ru-RU" dirty="0"/>
           </a:p>
@@ -6386,7 +6625,7 @@
         </p:nvSpPr>
         <p:spPr>
           <a:xfrm>
-            <a:off x="1981200" y="217978"/>
+            <a:off x="1981200" y="43317"/>
             <a:ext cx="8229600" cy="1143000"/>
           </a:xfrm>
         </p:spPr>
@@ -6409,10 +6648,10 @@
       </p:sp>
       <p:pic>
         <p:nvPicPr>
-          <p:cNvPr id="8" name="Рисунок 7">
+          <p:cNvPr id="5" name="Рисунок 4">
             <a:extLst>
               <a:ext uri="{FF2B5EF4-FFF2-40B4-BE49-F238E27FC236}">
-                <a16:creationId xmlns:a16="http://schemas.microsoft.com/office/drawing/2014/main" id="{12045B73-922D-4AE9-825D-CA0A7C61174A}"/>
+                <a16:creationId xmlns:a16="http://schemas.microsoft.com/office/drawing/2014/main" id="{C576CDF4-B4E6-4E90-A744-B5D212D40251}"/>
               </a:ext>
             </a:extLst>
           </p:cNvPr>
@@ -6435,8 +6674,8 @@
         </p:blipFill>
         <p:spPr>
           <a:xfrm>
-            <a:off x="2719057" y="1360979"/>
-            <a:ext cx="6455122" cy="5147215"/>
+            <a:off x="2655894" y="1190487"/>
+            <a:ext cx="6642217" cy="5449579"/>
           </a:xfrm>
           <a:prstGeom prst="rect">
             <a:avLst/>
@@ -6445,10 +6684,10 @@
       </p:pic>
       <p:sp>
         <p:nvSpPr>
-          <p:cNvPr id="3" name="Номер слайда 2">
+          <p:cNvPr id="6" name="Номер слайда 5">
             <a:extLst>
               <a:ext uri="{FF2B5EF4-FFF2-40B4-BE49-F238E27FC236}">
-                <a16:creationId xmlns:a16="http://schemas.microsoft.com/office/drawing/2014/main" id="{4F806EB5-E7A6-42D7-88AE-F35FB364F75C}"/>
+                <a16:creationId xmlns:a16="http://schemas.microsoft.com/office/drawing/2014/main" id="{B019ED32-1DD0-47B9-BAF4-8A5ED8F5D98D}"/>
               </a:ext>
             </a:extLst>
           </p:cNvPr>
@@ -6471,7 +6710,7 @@
             </a:fld>
             <a:r>
               <a:rPr lang="ru-RU"/>
-              <a:t>/20</a:t>
+              <a:t>/17</a:t>
             </a:r>
             <a:endParaRPr lang="ru-RU" dirty="0"/>
           </a:p>
@@ -6546,12 +6785,48 @@
           </a:p>
         </p:txBody>
       </p:sp>
-      <p:sp>
-        <p:nvSpPr>
-          <p:cNvPr id="3" name="Номер слайда 2">
+      <p:pic>
+        <p:nvPicPr>
+          <p:cNvPr id="5" name="Рисунок 4">
             <a:extLst>
               <a:ext uri="{FF2B5EF4-FFF2-40B4-BE49-F238E27FC236}">
-                <a16:creationId xmlns:a16="http://schemas.microsoft.com/office/drawing/2014/main" id="{49D5A0F8-9BBB-44E4-A2AB-379076EA0E6C}"/>
+                <a16:creationId xmlns:a16="http://schemas.microsoft.com/office/drawing/2014/main" id="{812666DF-EE8E-4BB2-BF52-5EBCE0A13045}"/>
+              </a:ext>
+            </a:extLst>
+          </p:cNvPr>
+          <p:cNvPicPr>
+            <a:picLocks noChangeAspect="1"/>
+          </p:cNvPicPr>
+          <p:nvPr/>
+        </p:nvPicPr>
+        <p:blipFill>
+          <a:blip r:embed="rId2">
+            <a:extLst>
+              <a:ext uri="{28A0092B-C50C-407E-A947-70E740481C1C}">
+                <a14:useLocalDpi xmlns:a14="http://schemas.microsoft.com/office/drawing/2010/main" val="0"/>
+              </a:ext>
+            </a:extLst>
+          </a:blip>
+          <a:stretch>
+            <a:fillRect/>
+          </a:stretch>
+        </p:blipFill>
+        <p:spPr>
+          <a:xfrm>
+            <a:off x="1859623" y="1360978"/>
+            <a:ext cx="8472754" cy="5359658"/>
+          </a:xfrm>
+          <a:prstGeom prst="rect">
+            <a:avLst/>
+          </a:prstGeom>
+        </p:spPr>
+      </p:pic>
+      <p:sp>
+        <p:nvSpPr>
+          <p:cNvPr id="6" name="Номер слайда 5">
+            <a:extLst>
+              <a:ext uri="{FF2B5EF4-FFF2-40B4-BE49-F238E27FC236}">
+                <a16:creationId xmlns:a16="http://schemas.microsoft.com/office/drawing/2014/main" id="{4ACF1A50-B4D2-4B6D-ADDA-1D854D7A9BB3}"/>
               </a:ext>
             </a:extLst>
           </p:cNvPr>
@@ -6574,7 +6849,7 @@
             </a:fld>
             <a:r>
               <a:rPr lang="ru-RU"/>
-              <a:t>/20</a:t>
+              <a:t>/17</a:t>
             </a:r>
             <a:endParaRPr lang="ru-RU" dirty="0"/>
           </a:p>
@@ -6663,149 +6938,17 @@
                 <a:latin typeface="Times New Roman" pitchFamily="18" charset="0"/>
                 <a:cs typeface="Times New Roman" pitchFamily="18" charset="0"/>
               </a:rPr>
-              <a:t>Подписка на канал</a:t>
-            </a:r>
-          </a:p>
-        </p:txBody>
-      </p:sp>
-      <p:sp>
-        <p:nvSpPr>
-          <p:cNvPr id="7" name="Номер слайда 1">
+              <a:t>Подписка на пользователя</a:t>
+            </a:r>
+          </a:p>
+        </p:txBody>
+      </p:sp>
+      <p:pic>
+        <p:nvPicPr>
+          <p:cNvPr id="3" name="Рисунок 2">
             <a:extLst>
               <a:ext uri="{FF2B5EF4-FFF2-40B4-BE49-F238E27FC236}">
-                <a16:creationId xmlns:a16="http://schemas.microsoft.com/office/drawing/2014/main" id="{6A7F78F4-4176-4369-A464-353EB68C4665}"/>
-              </a:ext>
-            </a:extLst>
-          </p:cNvPr>
-          <p:cNvSpPr txBox="1">
-            <a:spLocks/>
-          </p:cNvSpPr>
-          <p:nvPr/>
-        </p:nvSpPr>
-        <p:spPr>
-          <a:xfrm>
-            <a:off x="8134350" y="6508752"/>
-            <a:ext cx="2057400" cy="365125"/>
-          </a:xfrm>
-          <a:prstGeom prst="rect">
-            <a:avLst/>
-          </a:prstGeom>
-        </p:spPr>
-        <p:txBody>
-          <a:bodyPr vert="horz" lIns="91440" tIns="45720" rIns="91440" bIns="45720" rtlCol="0" anchor="ctr"/>
-          <a:lstStyle>
-            <a:defPPr>
-              <a:defRPr lang="en-US"/>
-            </a:defPPr>
-            <a:lvl1pPr marL="0" algn="r" defTabSz="457200" rtl="0" eaLnBrk="1" latinLnBrk="0" hangingPunct="1">
-              <a:defRPr sz="1200" kern="1200">
-                <a:solidFill>
-                  <a:schemeClr val="tx1">
-                    <a:tint val="75000"/>
-                  </a:schemeClr>
-                </a:solidFill>
-                <a:latin typeface="+mn-lt"/>
-                <a:ea typeface="+mn-ea"/>
-                <a:cs typeface="+mn-cs"/>
-              </a:defRPr>
-            </a:lvl1pPr>
-            <a:lvl2pPr marL="457200" algn="l" defTabSz="457200" rtl="0" eaLnBrk="1" latinLnBrk="0" hangingPunct="1">
-              <a:defRPr sz="1800" kern="1200">
-                <a:solidFill>
-                  <a:schemeClr val="tx1"/>
-                </a:solidFill>
-                <a:latin typeface="+mn-lt"/>
-                <a:ea typeface="+mn-ea"/>
-                <a:cs typeface="+mn-cs"/>
-              </a:defRPr>
-            </a:lvl2pPr>
-            <a:lvl3pPr marL="914400" algn="l" defTabSz="457200" rtl="0" eaLnBrk="1" latinLnBrk="0" hangingPunct="1">
-              <a:defRPr sz="1800" kern="1200">
-                <a:solidFill>
-                  <a:schemeClr val="tx1"/>
-                </a:solidFill>
-                <a:latin typeface="+mn-lt"/>
-                <a:ea typeface="+mn-ea"/>
-                <a:cs typeface="+mn-cs"/>
-              </a:defRPr>
-            </a:lvl3pPr>
-            <a:lvl4pPr marL="1371600" algn="l" defTabSz="457200" rtl="0" eaLnBrk="1" latinLnBrk="0" hangingPunct="1">
-              <a:defRPr sz="1800" kern="1200">
-                <a:solidFill>
-                  <a:schemeClr val="tx1"/>
-                </a:solidFill>
-                <a:latin typeface="+mn-lt"/>
-                <a:ea typeface="+mn-ea"/>
-                <a:cs typeface="+mn-cs"/>
-              </a:defRPr>
-            </a:lvl4pPr>
-            <a:lvl5pPr marL="1828800" algn="l" defTabSz="457200" rtl="0" eaLnBrk="1" latinLnBrk="0" hangingPunct="1">
-              <a:defRPr sz="1800" kern="1200">
-                <a:solidFill>
-                  <a:schemeClr val="tx1"/>
-                </a:solidFill>
-                <a:latin typeface="+mn-lt"/>
-                <a:ea typeface="+mn-ea"/>
-                <a:cs typeface="+mn-cs"/>
-              </a:defRPr>
-            </a:lvl5pPr>
-            <a:lvl6pPr marL="2286000" algn="l" defTabSz="457200" rtl="0" eaLnBrk="1" latinLnBrk="0" hangingPunct="1">
-              <a:defRPr sz="1800" kern="1200">
-                <a:solidFill>
-                  <a:schemeClr val="tx1"/>
-                </a:solidFill>
-                <a:latin typeface="+mn-lt"/>
-                <a:ea typeface="+mn-ea"/>
-                <a:cs typeface="+mn-cs"/>
-              </a:defRPr>
-            </a:lvl6pPr>
-            <a:lvl7pPr marL="2743200" algn="l" defTabSz="457200" rtl="0" eaLnBrk="1" latinLnBrk="0" hangingPunct="1">
-              <a:defRPr sz="1800" kern="1200">
-                <a:solidFill>
-                  <a:schemeClr val="tx1"/>
-                </a:solidFill>
-                <a:latin typeface="+mn-lt"/>
-                <a:ea typeface="+mn-ea"/>
-                <a:cs typeface="+mn-cs"/>
-              </a:defRPr>
-            </a:lvl7pPr>
-            <a:lvl8pPr marL="3200400" algn="l" defTabSz="457200" rtl="0" eaLnBrk="1" latinLnBrk="0" hangingPunct="1">
-              <a:defRPr sz="1800" kern="1200">
-                <a:solidFill>
-                  <a:schemeClr val="tx1"/>
-                </a:solidFill>
-                <a:latin typeface="+mn-lt"/>
-                <a:ea typeface="+mn-ea"/>
-                <a:cs typeface="+mn-cs"/>
-              </a:defRPr>
-            </a:lvl8pPr>
-            <a:lvl9pPr marL="3657600" algn="l" defTabSz="457200" rtl="0" eaLnBrk="1" latinLnBrk="0" hangingPunct="1">
-              <a:defRPr sz="1800" kern="1200">
-                <a:solidFill>
-                  <a:schemeClr val="tx1"/>
-                </a:solidFill>
-                <a:latin typeface="+mn-lt"/>
-                <a:ea typeface="+mn-ea"/>
-                <a:cs typeface="+mn-cs"/>
-              </a:defRPr>
-            </a:lvl9pPr>
-          </a:lstStyle>
-          <a:p>
-            <a:fld id="{1FB77788-E5A7-4255-94F6-739BDA5FC0D4}" type="slidenum">
-              <a:rPr lang="ru-RU"/>
-              <a:pPr/>
-              <a:t>9</a:t>
-            </a:fld>
-            <a:endParaRPr lang="ru-RU"/>
-          </a:p>
-        </p:txBody>
-      </p:sp>
-      <p:pic>
-        <p:nvPicPr>
-          <p:cNvPr id="12" name="Рисунок 11">
-            <a:extLst>
-              <a:ext uri="{FF2B5EF4-FFF2-40B4-BE49-F238E27FC236}">
-                <a16:creationId xmlns:a16="http://schemas.microsoft.com/office/drawing/2014/main" id="{AD8B6B53-DA72-4823-876A-E554F5C95769}"/>
+                <a16:creationId xmlns:a16="http://schemas.microsoft.com/office/drawing/2014/main" id="{69A03C63-BE9B-4863-9A04-F25E1CEDDE7A}"/>
               </a:ext>
             </a:extLst>
           </p:cNvPr>
@@ -6815,15 +6958,21 @@
           <p:nvPr/>
         </p:nvPicPr>
         <p:blipFill>
-          <a:blip r:embed="rId2"/>
+          <a:blip r:embed="rId2">
+            <a:extLst>
+              <a:ext uri="{28A0092B-C50C-407E-A947-70E740481C1C}">
+                <a14:useLocalDpi xmlns:a14="http://schemas.microsoft.com/office/drawing/2010/main" val="0"/>
+              </a:ext>
+            </a:extLst>
+          </a:blip>
           <a:stretch>
             <a:fillRect/>
           </a:stretch>
         </p:blipFill>
         <p:spPr>
           <a:xfrm>
-            <a:off x="3875591" y="684435"/>
-            <a:ext cx="4648200" cy="6048375"/>
+            <a:off x="3581401" y="756089"/>
+            <a:ext cx="5302300" cy="5833045"/>
           </a:xfrm>
           <a:prstGeom prst="rect">
             <a:avLst/>
@@ -6832,10 +6981,10 @@
       </p:pic>
       <p:sp>
         <p:nvSpPr>
-          <p:cNvPr id="13" name="Номер слайда 12">
+          <p:cNvPr id="4" name="Номер слайда 3">
             <a:extLst>
               <a:ext uri="{FF2B5EF4-FFF2-40B4-BE49-F238E27FC236}">
-                <a16:creationId xmlns:a16="http://schemas.microsoft.com/office/drawing/2014/main" id="{FAC6D23C-AD4F-4700-8B1E-00A3AFB42034}"/>
+                <a16:creationId xmlns:a16="http://schemas.microsoft.com/office/drawing/2014/main" id="{8839426D-8787-44D3-BCF7-AED09C86A5AB}"/>
               </a:ext>
             </a:extLst>
           </p:cNvPr>
@@ -6858,7 +7007,7 @@
             </a:fld>
             <a:r>
               <a:rPr lang="ru-RU"/>
-              <a:t>/20</a:t>
+              <a:t>/17</a:t>
             </a:r>
             <a:endParaRPr lang="ru-RU" dirty="0"/>
           </a:p>
